--- a/INTRODUCCION/Diagrama Propuesta tesis.pptx
+++ b/INTRODUCCION/Diagrama Propuesta tesis.pptx
@@ -262,7 +262,7 @@
           <a:p>
             <a:fld id="{F2B6A94E-70D0-434B-807A-91D50456CA1E}" type="datetimeFigureOut">
               <a:rPr lang="es-PE" smtClean="0"/>
-              <a:t>14/05/2025</a:t>
+              <a:t>18/05/2025</a:t>
             </a:fld>
             <a:endParaRPr lang="es-PE"/>
           </a:p>
@@ -462,7 +462,7 @@
           <a:p>
             <a:fld id="{F2B6A94E-70D0-434B-807A-91D50456CA1E}" type="datetimeFigureOut">
               <a:rPr lang="es-PE" smtClean="0"/>
-              <a:t>14/05/2025</a:t>
+              <a:t>18/05/2025</a:t>
             </a:fld>
             <a:endParaRPr lang="es-PE"/>
           </a:p>
@@ -672,7 +672,7 @@
           <a:p>
             <a:fld id="{F2B6A94E-70D0-434B-807A-91D50456CA1E}" type="datetimeFigureOut">
               <a:rPr lang="es-PE" smtClean="0"/>
-              <a:t>14/05/2025</a:t>
+              <a:t>18/05/2025</a:t>
             </a:fld>
             <a:endParaRPr lang="es-PE"/>
           </a:p>
@@ -872,7 +872,7 @@
           <a:p>
             <a:fld id="{F2B6A94E-70D0-434B-807A-91D50456CA1E}" type="datetimeFigureOut">
               <a:rPr lang="es-PE" smtClean="0"/>
-              <a:t>14/05/2025</a:t>
+              <a:t>18/05/2025</a:t>
             </a:fld>
             <a:endParaRPr lang="es-PE"/>
           </a:p>
@@ -1148,7 +1148,7 @@
           <a:p>
             <a:fld id="{F2B6A94E-70D0-434B-807A-91D50456CA1E}" type="datetimeFigureOut">
               <a:rPr lang="es-PE" smtClean="0"/>
-              <a:t>14/05/2025</a:t>
+              <a:t>18/05/2025</a:t>
             </a:fld>
             <a:endParaRPr lang="es-PE"/>
           </a:p>
@@ -1416,7 +1416,7 @@
           <a:p>
             <a:fld id="{F2B6A94E-70D0-434B-807A-91D50456CA1E}" type="datetimeFigureOut">
               <a:rPr lang="es-PE" smtClean="0"/>
-              <a:t>14/05/2025</a:t>
+              <a:t>18/05/2025</a:t>
             </a:fld>
             <a:endParaRPr lang="es-PE"/>
           </a:p>
@@ -1831,7 +1831,7 @@
           <a:p>
             <a:fld id="{F2B6A94E-70D0-434B-807A-91D50456CA1E}" type="datetimeFigureOut">
               <a:rPr lang="es-PE" smtClean="0"/>
-              <a:t>14/05/2025</a:t>
+              <a:t>18/05/2025</a:t>
             </a:fld>
             <a:endParaRPr lang="es-PE"/>
           </a:p>
@@ -1973,7 +1973,7 @@
           <a:p>
             <a:fld id="{F2B6A94E-70D0-434B-807A-91D50456CA1E}" type="datetimeFigureOut">
               <a:rPr lang="es-PE" smtClean="0"/>
-              <a:t>14/05/2025</a:t>
+              <a:t>18/05/2025</a:t>
             </a:fld>
             <a:endParaRPr lang="es-PE"/>
           </a:p>
@@ -2086,7 +2086,7 @@
           <a:p>
             <a:fld id="{F2B6A94E-70D0-434B-807A-91D50456CA1E}" type="datetimeFigureOut">
               <a:rPr lang="es-PE" smtClean="0"/>
-              <a:t>14/05/2025</a:t>
+              <a:t>18/05/2025</a:t>
             </a:fld>
             <a:endParaRPr lang="es-PE"/>
           </a:p>
@@ -2399,7 +2399,7 @@
           <a:p>
             <a:fld id="{F2B6A94E-70D0-434B-807A-91D50456CA1E}" type="datetimeFigureOut">
               <a:rPr lang="es-PE" smtClean="0"/>
-              <a:t>14/05/2025</a:t>
+              <a:t>18/05/2025</a:t>
             </a:fld>
             <a:endParaRPr lang="es-PE"/>
           </a:p>
@@ -2688,7 +2688,7 @@
           <a:p>
             <a:fld id="{F2B6A94E-70D0-434B-807A-91D50456CA1E}" type="datetimeFigureOut">
               <a:rPr lang="es-PE" smtClean="0"/>
-              <a:t>14/05/2025</a:t>
+              <a:t>18/05/2025</a:t>
             </a:fld>
             <a:endParaRPr lang="es-PE"/>
           </a:p>
@@ -2931,7 +2931,7 @@
           <a:p>
             <a:fld id="{F2B6A94E-70D0-434B-807A-91D50456CA1E}" type="datetimeFigureOut">
               <a:rPr lang="es-PE" smtClean="0"/>
-              <a:t>14/05/2025</a:t>
+              <a:t>18/05/2025</a:t>
             </a:fld>
             <a:endParaRPr lang="es-PE"/>
           </a:p>
@@ -3885,7 +3885,7 @@
                 <a:latin typeface="Arial" panose="020B0604020202020204" pitchFamily="34" charset="0"/>
                 <a:cs typeface="Arial" panose="020B0604020202020204" pitchFamily="34" charset="0"/>
               </a:rPr>
-              <a:t>Dataset 1200 reseñas</a:t>
+              <a:t>Dataset 1368 reseñas</a:t>
             </a:r>
             <a:endParaRPr lang="es-PE" sz="1200" b="1" dirty="0">
               <a:latin typeface="Arial" panose="020B0604020202020204" pitchFamily="34" charset="0"/>
@@ -4851,6 +4851,36 @@
           </a:fontRef>
         </p:style>
       </p:cxnSp>
+      <p:pic>
+        <p:nvPicPr>
+          <p:cNvPr id="3" name="Imagen 2">
+            <a:extLst>
+              <a:ext uri="{FF2B5EF4-FFF2-40B4-BE49-F238E27FC236}">
+                <a16:creationId xmlns:a16="http://schemas.microsoft.com/office/drawing/2014/main" id="{FF9D3ADA-2C88-DD89-4E3A-A40E363BC20E}"/>
+              </a:ext>
+            </a:extLst>
+          </p:cNvPr>
+          <p:cNvPicPr>
+            <a:picLocks noChangeAspect="1"/>
+          </p:cNvPicPr>
+          <p:nvPr/>
+        </p:nvPicPr>
+        <p:blipFill>
+          <a:blip r:embed="rId4"/>
+          <a:stretch>
+            <a:fillRect/>
+          </a:stretch>
+        </p:blipFill>
+        <p:spPr>
+          <a:xfrm>
+            <a:off x="2697419" y="4171072"/>
+            <a:ext cx="890502" cy="323166"/>
+          </a:xfrm>
+          <a:prstGeom prst="rect">
+            <a:avLst/>
+          </a:prstGeom>
+        </p:spPr>
+      </p:pic>
     </p:spTree>
     <p:extLst>
       <p:ext uri="{BB962C8B-B14F-4D97-AF65-F5344CB8AC3E}">
